--- a/ppt 16-9/0983.时代的火焰.pptx
+++ b/ppt 16-9/0983.时代的火焰.pptx
@@ -5,7 +5,7 @@
     <p:sldMasterId id="2147483648" r:id="rId1"/>
   </p:sldMasterIdLst>
   <p:sldIdLst>
-    <p:sldId id="384" r:id="rId2"/>
+    <p:sldId id="386" r:id="rId2"/>
   </p:sldIdLst>
   <p:sldSz cx="12192000" cy="6858000"/>
   <p:notesSz cx="6858000" cy="9144000"/>
@@ -129,7 +129,7 @@
           <p:cNvPr id="2" name="标题 1">
             <a:extLst>
               <a:ext uri="{FF2B5EF4-FFF2-40B4-BE49-F238E27FC236}">
-                <a16:creationId xmlns:a16="http://schemas.microsoft.com/office/drawing/2014/main" id="{77B262D6-C09E-2230-BC99-6F96A48550F5}"/>
+                <a16:creationId xmlns:a16="http://schemas.microsoft.com/office/drawing/2014/main" id="{FBE59FC1-E5BB-D977-1887-BB74CCE9515D}"/>
               </a:ext>
             </a:extLst>
           </p:cNvPr>
@@ -166,7 +166,7 @@
           <p:cNvPr id="3" name="副标题 2">
             <a:extLst>
               <a:ext uri="{FF2B5EF4-FFF2-40B4-BE49-F238E27FC236}">
-                <a16:creationId xmlns:a16="http://schemas.microsoft.com/office/drawing/2014/main" id="{B9004973-C15A-E94D-CBBE-D49AE9A1B418}"/>
+                <a16:creationId xmlns:a16="http://schemas.microsoft.com/office/drawing/2014/main" id="{950DA86A-0536-B389-B218-0BD80C20B1C6}"/>
               </a:ext>
             </a:extLst>
           </p:cNvPr>
@@ -236,7 +236,7 @@
           <p:cNvPr id="4" name="日期占位符 3">
             <a:extLst>
               <a:ext uri="{FF2B5EF4-FFF2-40B4-BE49-F238E27FC236}">
-                <a16:creationId xmlns:a16="http://schemas.microsoft.com/office/drawing/2014/main" id="{2214D038-50BA-0260-2A14-150D095083D1}"/>
+                <a16:creationId xmlns:a16="http://schemas.microsoft.com/office/drawing/2014/main" id="{E6D48720-2FB1-F45B-4D87-374FB4E1C627}"/>
               </a:ext>
             </a:extLst>
           </p:cNvPr>
@@ -252,7 +252,7 @@
           <a:bodyPr/>
           <a:lstStyle/>
           <a:p>
-            <a:fld id="{1AAA7CC6-638B-48B2-805E-129D8A52E4E8}" type="datetimeFigureOut">
+            <a:fld id="{026DA960-A9E7-4E71-8953-BD0A176CA0F5}" type="datetimeFigureOut">
               <a:rPr lang="zh-CN" altLang="en-US" smtClean="0"/>
               <a:t>2024/3/10</a:t>
             </a:fld>
@@ -265,7 +265,7 @@
           <p:cNvPr id="5" name="页脚占位符 4">
             <a:extLst>
               <a:ext uri="{FF2B5EF4-FFF2-40B4-BE49-F238E27FC236}">
-                <a16:creationId xmlns:a16="http://schemas.microsoft.com/office/drawing/2014/main" id="{7D17AF4E-1F85-EF8A-F444-D3655C151C2E}"/>
+                <a16:creationId xmlns:a16="http://schemas.microsoft.com/office/drawing/2014/main" id="{FACC54AA-CA17-D340-E554-F725D95AD997}"/>
               </a:ext>
             </a:extLst>
           </p:cNvPr>
@@ -290,7 +290,7 @@
           <p:cNvPr id="6" name="灯片编号占位符 5">
             <a:extLst>
               <a:ext uri="{FF2B5EF4-FFF2-40B4-BE49-F238E27FC236}">
-                <a16:creationId xmlns:a16="http://schemas.microsoft.com/office/drawing/2014/main" id="{9B7339E4-86C5-6A72-7A84-EA538747F2C6}"/>
+                <a16:creationId xmlns:a16="http://schemas.microsoft.com/office/drawing/2014/main" id="{54D65ECD-083B-EB26-A750-9C6643BB98E5}"/>
               </a:ext>
             </a:extLst>
           </p:cNvPr>
@@ -306,7 +306,7 @@
           <a:bodyPr/>
           <a:lstStyle/>
           <a:p>
-            <a:fld id="{7CAB047B-CB68-49C2-AC1E-DEC170CA3CE1}" type="slidenum">
+            <a:fld id="{1B82B152-F77B-4B9A-B902-94F1DC1FB615}" type="slidenum">
               <a:rPr lang="zh-CN" altLang="en-US" smtClean="0"/>
               <a:t>‹#›</a:t>
             </a:fld>
@@ -317,7 +317,7 @@
     </p:spTree>
     <p:extLst>
       <p:ext uri="{BB962C8B-B14F-4D97-AF65-F5344CB8AC3E}">
-        <p14:creationId xmlns:p14="http://schemas.microsoft.com/office/powerpoint/2010/main" val="2667079964"/>
+        <p14:creationId xmlns:p14="http://schemas.microsoft.com/office/powerpoint/2010/main" val="2249386742"/>
       </p:ext>
     </p:extLst>
   </p:cSld>
@@ -349,7 +349,7 @@
           <p:cNvPr id="2" name="标题 1">
             <a:extLst>
               <a:ext uri="{FF2B5EF4-FFF2-40B4-BE49-F238E27FC236}">
-                <a16:creationId xmlns:a16="http://schemas.microsoft.com/office/drawing/2014/main" id="{BAB10D23-6C5E-17B1-61F2-26999B87FEA4}"/>
+                <a16:creationId xmlns:a16="http://schemas.microsoft.com/office/drawing/2014/main" id="{956851E0-184E-FB2B-BF50-B9E3AE3CC8A2}"/>
               </a:ext>
             </a:extLst>
           </p:cNvPr>
@@ -377,7 +377,7 @@
           <p:cNvPr id="3" name="竖排文字占位符 2">
             <a:extLst>
               <a:ext uri="{FF2B5EF4-FFF2-40B4-BE49-F238E27FC236}">
-                <a16:creationId xmlns:a16="http://schemas.microsoft.com/office/drawing/2014/main" id="{57F80166-B56B-6B4A-5E8D-31ED373E0B0F}"/>
+                <a16:creationId xmlns:a16="http://schemas.microsoft.com/office/drawing/2014/main" id="{F2DB4CA5-E83D-1EEE-E058-A78AC9C8C27A}"/>
               </a:ext>
             </a:extLst>
           </p:cNvPr>
@@ -434,7 +434,7 @@
           <p:cNvPr id="4" name="日期占位符 3">
             <a:extLst>
               <a:ext uri="{FF2B5EF4-FFF2-40B4-BE49-F238E27FC236}">
-                <a16:creationId xmlns:a16="http://schemas.microsoft.com/office/drawing/2014/main" id="{19A64389-78BC-3ADB-9961-B41B009FD136}"/>
+                <a16:creationId xmlns:a16="http://schemas.microsoft.com/office/drawing/2014/main" id="{2EED039D-BAD9-008C-8DF3-DCB54D1486C0}"/>
               </a:ext>
             </a:extLst>
           </p:cNvPr>
@@ -450,7 +450,7 @@
           <a:bodyPr/>
           <a:lstStyle/>
           <a:p>
-            <a:fld id="{1AAA7CC6-638B-48B2-805E-129D8A52E4E8}" type="datetimeFigureOut">
+            <a:fld id="{026DA960-A9E7-4E71-8953-BD0A176CA0F5}" type="datetimeFigureOut">
               <a:rPr lang="zh-CN" altLang="en-US" smtClean="0"/>
               <a:t>2024/3/10</a:t>
             </a:fld>
@@ -463,7 +463,7 @@
           <p:cNvPr id="5" name="页脚占位符 4">
             <a:extLst>
               <a:ext uri="{FF2B5EF4-FFF2-40B4-BE49-F238E27FC236}">
-                <a16:creationId xmlns:a16="http://schemas.microsoft.com/office/drawing/2014/main" id="{B45E5E41-92C6-FA67-2A84-AE916249D2A9}"/>
+                <a16:creationId xmlns:a16="http://schemas.microsoft.com/office/drawing/2014/main" id="{C3C91F78-78FC-8C20-A0C3-744D6F80CE02}"/>
               </a:ext>
             </a:extLst>
           </p:cNvPr>
@@ -488,7 +488,7 @@
           <p:cNvPr id="6" name="灯片编号占位符 5">
             <a:extLst>
               <a:ext uri="{FF2B5EF4-FFF2-40B4-BE49-F238E27FC236}">
-                <a16:creationId xmlns:a16="http://schemas.microsoft.com/office/drawing/2014/main" id="{5D13BE5A-5F7C-9DA1-59E0-976389B9483C}"/>
+                <a16:creationId xmlns:a16="http://schemas.microsoft.com/office/drawing/2014/main" id="{4B593D74-0783-3623-8627-025BE3121055}"/>
               </a:ext>
             </a:extLst>
           </p:cNvPr>
@@ -504,7 +504,7 @@
           <a:bodyPr/>
           <a:lstStyle/>
           <a:p>
-            <a:fld id="{7CAB047B-CB68-49C2-AC1E-DEC170CA3CE1}" type="slidenum">
+            <a:fld id="{1B82B152-F77B-4B9A-B902-94F1DC1FB615}" type="slidenum">
               <a:rPr lang="zh-CN" altLang="en-US" smtClean="0"/>
               <a:t>‹#›</a:t>
             </a:fld>
@@ -515,7 +515,7 @@
     </p:spTree>
     <p:extLst>
       <p:ext uri="{BB962C8B-B14F-4D97-AF65-F5344CB8AC3E}">
-        <p14:creationId xmlns:p14="http://schemas.microsoft.com/office/powerpoint/2010/main" val="3820670756"/>
+        <p14:creationId xmlns:p14="http://schemas.microsoft.com/office/powerpoint/2010/main" val="1276579140"/>
       </p:ext>
     </p:extLst>
   </p:cSld>
@@ -547,7 +547,7 @@
           <p:cNvPr id="2" name="竖排标题 1">
             <a:extLst>
               <a:ext uri="{FF2B5EF4-FFF2-40B4-BE49-F238E27FC236}">
-                <a16:creationId xmlns:a16="http://schemas.microsoft.com/office/drawing/2014/main" id="{BD9A127D-6A20-5833-16E4-D2D52BB7BBC2}"/>
+                <a16:creationId xmlns:a16="http://schemas.microsoft.com/office/drawing/2014/main" id="{E10FB9A5-37FF-9D5A-112C-7069DD6C765C}"/>
               </a:ext>
             </a:extLst>
           </p:cNvPr>
@@ -580,7 +580,7 @@
           <p:cNvPr id="3" name="竖排文字占位符 2">
             <a:extLst>
               <a:ext uri="{FF2B5EF4-FFF2-40B4-BE49-F238E27FC236}">
-                <a16:creationId xmlns:a16="http://schemas.microsoft.com/office/drawing/2014/main" id="{FE886F60-32F4-2A69-05F6-CB34A2A96B55}"/>
+                <a16:creationId xmlns:a16="http://schemas.microsoft.com/office/drawing/2014/main" id="{4FDBB054-3280-39D3-016C-32B2D1379B7B}"/>
               </a:ext>
             </a:extLst>
           </p:cNvPr>
@@ -642,7 +642,7 @@
           <p:cNvPr id="4" name="日期占位符 3">
             <a:extLst>
               <a:ext uri="{FF2B5EF4-FFF2-40B4-BE49-F238E27FC236}">
-                <a16:creationId xmlns:a16="http://schemas.microsoft.com/office/drawing/2014/main" id="{F09EBA44-5C75-D660-F6B5-D24DB1F0D8B3}"/>
+                <a16:creationId xmlns:a16="http://schemas.microsoft.com/office/drawing/2014/main" id="{D8230D93-AEC3-0F3B-A4C4-A4CF17AC6118}"/>
               </a:ext>
             </a:extLst>
           </p:cNvPr>
@@ -658,7 +658,7 @@
           <a:bodyPr/>
           <a:lstStyle/>
           <a:p>
-            <a:fld id="{1AAA7CC6-638B-48B2-805E-129D8A52E4E8}" type="datetimeFigureOut">
+            <a:fld id="{026DA960-A9E7-4E71-8953-BD0A176CA0F5}" type="datetimeFigureOut">
               <a:rPr lang="zh-CN" altLang="en-US" smtClean="0"/>
               <a:t>2024/3/10</a:t>
             </a:fld>
@@ -671,7 +671,7 @@
           <p:cNvPr id="5" name="页脚占位符 4">
             <a:extLst>
               <a:ext uri="{FF2B5EF4-FFF2-40B4-BE49-F238E27FC236}">
-                <a16:creationId xmlns:a16="http://schemas.microsoft.com/office/drawing/2014/main" id="{878E7885-F871-5985-BE34-FE209DB545D5}"/>
+                <a16:creationId xmlns:a16="http://schemas.microsoft.com/office/drawing/2014/main" id="{387FC87B-1513-77D3-0238-943261018E54}"/>
               </a:ext>
             </a:extLst>
           </p:cNvPr>
@@ -696,7 +696,7 @@
           <p:cNvPr id="6" name="灯片编号占位符 5">
             <a:extLst>
               <a:ext uri="{FF2B5EF4-FFF2-40B4-BE49-F238E27FC236}">
-                <a16:creationId xmlns:a16="http://schemas.microsoft.com/office/drawing/2014/main" id="{38472628-2787-080E-C1F0-4C7F2B910784}"/>
+                <a16:creationId xmlns:a16="http://schemas.microsoft.com/office/drawing/2014/main" id="{BFE75E7C-FDB0-58BE-2B06-4CDC61C2868E}"/>
               </a:ext>
             </a:extLst>
           </p:cNvPr>
@@ -712,7 +712,7 @@
           <a:bodyPr/>
           <a:lstStyle/>
           <a:p>
-            <a:fld id="{7CAB047B-CB68-49C2-AC1E-DEC170CA3CE1}" type="slidenum">
+            <a:fld id="{1B82B152-F77B-4B9A-B902-94F1DC1FB615}" type="slidenum">
               <a:rPr lang="zh-CN" altLang="en-US" smtClean="0"/>
               <a:t>‹#›</a:t>
             </a:fld>
@@ -723,7 +723,7 @@
     </p:spTree>
     <p:extLst>
       <p:ext uri="{BB962C8B-B14F-4D97-AF65-F5344CB8AC3E}">
-        <p14:creationId xmlns:p14="http://schemas.microsoft.com/office/powerpoint/2010/main" val="2829350116"/>
+        <p14:creationId xmlns:p14="http://schemas.microsoft.com/office/powerpoint/2010/main" val="1457669596"/>
       </p:ext>
     </p:extLst>
   </p:cSld>
@@ -755,7 +755,7 @@
           <p:cNvPr id="2" name="标题 1">
             <a:extLst>
               <a:ext uri="{FF2B5EF4-FFF2-40B4-BE49-F238E27FC236}">
-                <a16:creationId xmlns:a16="http://schemas.microsoft.com/office/drawing/2014/main" id="{7344326E-12FE-EF9E-027F-E38E642F151F}"/>
+                <a16:creationId xmlns:a16="http://schemas.microsoft.com/office/drawing/2014/main" id="{652CB743-9AB2-4423-1936-6F74FB9F00C6}"/>
               </a:ext>
             </a:extLst>
           </p:cNvPr>
@@ -783,7 +783,7 @@
           <p:cNvPr id="3" name="内容占位符 2">
             <a:extLst>
               <a:ext uri="{FF2B5EF4-FFF2-40B4-BE49-F238E27FC236}">
-                <a16:creationId xmlns:a16="http://schemas.microsoft.com/office/drawing/2014/main" id="{C41DC302-B6E1-3050-566B-979F605A1A3E}"/>
+                <a16:creationId xmlns:a16="http://schemas.microsoft.com/office/drawing/2014/main" id="{F40AF008-DD13-CEAD-4F27-22CCC62E0A70}"/>
               </a:ext>
             </a:extLst>
           </p:cNvPr>
@@ -840,7 +840,7 @@
           <p:cNvPr id="4" name="日期占位符 3">
             <a:extLst>
               <a:ext uri="{FF2B5EF4-FFF2-40B4-BE49-F238E27FC236}">
-                <a16:creationId xmlns:a16="http://schemas.microsoft.com/office/drawing/2014/main" id="{C743E40D-DCB9-37B5-3CF1-0C6028C92CD8}"/>
+                <a16:creationId xmlns:a16="http://schemas.microsoft.com/office/drawing/2014/main" id="{4317E4EB-99D2-A2CC-7BF5-AF59E3774802}"/>
               </a:ext>
             </a:extLst>
           </p:cNvPr>
@@ -856,7 +856,7 @@
           <a:bodyPr/>
           <a:lstStyle/>
           <a:p>
-            <a:fld id="{1AAA7CC6-638B-48B2-805E-129D8A52E4E8}" type="datetimeFigureOut">
+            <a:fld id="{026DA960-A9E7-4E71-8953-BD0A176CA0F5}" type="datetimeFigureOut">
               <a:rPr lang="zh-CN" altLang="en-US" smtClean="0"/>
               <a:t>2024/3/10</a:t>
             </a:fld>
@@ -869,7 +869,7 @@
           <p:cNvPr id="5" name="页脚占位符 4">
             <a:extLst>
               <a:ext uri="{FF2B5EF4-FFF2-40B4-BE49-F238E27FC236}">
-                <a16:creationId xmlns:a16="http://schemas.microsoft.com/office/drawing/2014/main" id="{3C242459-613B-9A2C-5D64-E6681FF62044}"/>
+                <a16:creationId xmlns:a16="http://schemas.microsoft.com/office/drawing/2014/main" id="{0C697D02-9408-FC62-6FB0-2691D78C9312}"/>
               </a:ext>
             </a:extLst>
           </p:cNvPr>
@@ -894,7 +894,7 @@
           <p:cNvPr id="6" name="灯片编号占位符 5">
             <a:extLst>
               <a:ext uri="{FF2B5EF4-FFF2-40B4-BE49-F238E27FC236}">
-                <a16:creationId xmlns:a16="http://schemas.microsoft.com/office/drawing/2014/main" id="{EF89482F-FF7A-549D-1475-443E8EF50ACE}"/>
+                <a16:creationId xmlns:a16="http://schemas.microsoft.com/office/drawing/2014/main" id="{A31147F0-EF6E-F3D8-456B-7B865E08A8FD}"/>
               </a:ext>
             </a:extLst>
           </p:cNvPr>
@@ -910,7 +910,7 @@
           <a:bodyPr/>
           <a:lstStyle/>
           <a:p>
-            <a:fld id="{7CAB047B-CB68-49C2-AC1E-DEC170CA3CE1}" type="slidenum">
+            <a:fld id="{1B82B152-F77B-4B9A-B902-94F1DC1FB615}" type="slidenum">
               <a:rPr lang="zh-CN" altLang="en-US" smtClean="0"/>
               <a:t>‹#›</a:t>
             </a:fld>
@@ -921,7 +921,7 @@
     </p:spTree>
     <p:extLst>
       <p:ext uri="{BB962C8B-B14F-4D97-AF65-F5344CB8AC3E}">
-        <p14:creationId xmlns:p14="http://schemas.microsoft.com/office/powerpoint/2010/main" val="1557850682"/>
+        <p14:creationId xmlns:p14="http://schemas.microsoft.com/office/powerpoint/2010/main" val="365153019"/>
       </p:ext>
     </p:extLst>
   </p:cSld>
@@ -953,7 +953,7 @@
           <p:cNvPr id="2" name="标题 1">
             <a:extLst>
               <a:ext uri="{FF2B5EF4-FFF2-40B4-BE49-F238E27FC236}">
-                <a16:creationId xmlns:a16="http://schemas.microsoft.com/office/drawing/2014/main" id="{E65CDA4B-3414-C79E-7284-DAC57905EFA4}"/>
+                <a16:creationId xmlns:a16="http://schemas.microsoft.com/office/drawing/2014/main" id="{A321E755-1319-2008-EBAC-A18AE0E9C312}"/>
               </a:ext>
             </a:extLst>
           </p:cNvPr>
@@ -990,7 +990,7 @@
           <p:cNvPr id="3" name="文本占位符 2">
             <a:extLst>
               <a:ext uri="{FF2B5EF4-FFF2-40B4-BE49-F238E27FC236}">
-                <a16:creationId xmlns:a16="http://schemas.microsoft.com/office/drawing/2014/main" id="{7B836F5B-62E2-F839-CCDB-A48C96688B97}"/>
+                <a16:creationId xmlns:a16="http://schemas.microsoft.com/office/drawing/2014/main" id="{43D17206-2E27-8E3F-F4BD-48BB0A06DD72}"/>
               </a:ext>
             </a:extLst>
           </p:cNvPr>
@@ -1115,7 +1115,7 @@
           <p:cNvPr id="4" name="日期占位符 3">
             <a:extLst>
               <a:ext uri="{FF2B5EF4-FFF2-40B4-BE49-F238E27FC236}">
-                <a16:creationId xmlns:a16="http://schemas.microsoft.com/office/drawing/2014/main" id="{652D0897-F016-2433-2CF3-0008773D54F7}"/>
+                <a16:creationId xmlns:a16="http://schemas.microsoft.com/office/drawing/2014/main" id="{CECD9B68-01F0-7BB5-BF43-955871F09AD6}"/>
               </a:ext>
             </a:extLst>
           </p:cNvPr>
@@ -1131,7 +1131,7 @@
           <a:bodyPr/>
           <a:lstStyle/>
           <a:p>
-            <a:fld id="{1AAA7CC6-638B-48B2-805E-129D8A52E4E8}" type="datetimeFigureOut">
+            <a:fld id="{026DA960-A9E7-4E71-8953-BD0A176CA0F5}" type="datetimeFigureOut">
               <a:rPr lang="zh-CN" altLang="en-US" smtClean="0"/>
               <a:t>2024/3/10</a:t>
             </a:fld>
@@ -1144,7 +1144,7 @@
           <p:cNvPr id="5" name="页脚占位符 4">
             <a:extLst>
               <a:ext uri="{FF2B5EF4-FFF2-40B4-BE49-F238E27FC236}">
-                <a16:creationId xmlns:a16="http://schemas.microsoft.com/office/drawing/2014/main" id="{761D53E3-0788-85F7-8B5E-1559A5E94761}"/>
+                <a16:creationId xmlns:a16="http://schemas.microsoft.com/office/drawing/2014/main" id="{192EE9EB-7808-3F69-D865-C7EDBCE6A77C}"/>
               </a:ext>
             </a:extLst>
           </p:cNvPr>
@@ -1169,7 +1169,7 @@
           <p:cNvPr id="6" name="灯片编号占位符 5">
             <a:extLst>
               <a:ext uri="{FF2B5EF4-FFF2-40B4-BE49-F238E27FC236}">
-                <a16:creationId xmlns:a16="http://schemas.microsoft.com/office/drawing/2014/main" id="{D70A0FE3-F391-0508-A474-6497238548C1}"/>
+                <a16:creationId xmlns:a16="http://schemas.microsoft.com/office/drawing/2014/main" id="{EBBED0BB-10E1-AC0F-C357-6425CB60E558}"/>
               </a:ext>
             </a:extLst>
           </p:cNvPr>
@@ -1185,7 +1185,7 @@
           <a:bodyPr/>
           <a:lstStyle/>
           <a:p>
-            <a:fld id="{7CAB047B-CB68-49C2-AC1E-DEC170CA3CE1}" type="slidenum">
+            <a:fld id="{1B82B152-F77B-4B9A-B902-94F1DC1FB615}" type="slidenum">
               <a:rPr lang="zh-CN" altLang="en-US" smtClean="0"/>
               <a:t>‹#›</a:t>
             </a:fld>
@@ -1196,7 +1196,7 @@
     </p:spTree>
     <p:extLst>
       <p:ext uri="{BB962C8B-B14F-4D97-AF65-F5344CB8AC3E}">
-        <p14:creationId xmlns:p14="http://schemas.microsoft.com/office/powerpoint/2010/main" val="2608383761"/>
+        <p14:creationId xmlns:p14="http://schemas.microsoft.com/office/powerpoint/2010/main" val="2004404175"/>
       </p:ext>
     </p:extLst>
   </p:cSld>
@@ -1228,7 +1228,7 @@
           <p:cNvPr id="2" name="标题 1">
             <a:extLst>
               <a:ext uri="{FF2B5EF4-FFF2-40B4-BE49-F238E27FC236}">
-                <a16:creationId xmlns:a16="http://schemas.microsoft.com/office/drawing/2014/main" id="{7F22D473-6F2C-20C7-D8B3-251B83DBBDF7}"/>
+                <a16:creationId xmlns:a16="http://schemas.microsoft.com/office/drawing/2014/main" id="{BACEF98B-87D1-E97A-067C-6587FF6E0BD7}"/>
               </a:ext>
             </a:extLst>
           </p:cNvPr>
@@ -1256,7 +1256,7 @@
           <p:cNvPr id="3" name="内容占位符 2">
             <a:extLst>
               <a:ext uri="{FF2B5EF4-FFF2-40B4-BE49-F238E27FC236}">
-                <a16:creationId xmlns:a16="http://schemas.microsoft.com/office/drawing/2014/main" id="{137C2237-17CE-2D8D-DF89-2663A25295E1}"/>
+                <a16:creationId xmlns:a16="http://schemas.microsoft.com/office/drawing/2014/main" id="{28709620-D148-9CC9-41E3-4C14FBBF45E9}"/>
               </a:ext>
             </a:extLst>
           </p:cNvPr>
@@ -1318,7 +1318,7 @@
           <p:cNvPr id="4" name="内容占位符 3">
             <a:extLst>
               <a:ext uri="{FF2B5EF4-FFF2-40B4-BE49-F238E27FC236}">
-                <a16:creationId xmlns:a16="http://schemas.microsoft.com/office/drawing/2014/main" id="{C6E2E762-B71E-3892-A92E-AE1652486122}"/>
+                <a16:creationId xmlns:a16="http://schemas.microsoft.com/office/drawing/2014/main" id="{CBA1A1E0-535D-3660-8BF0-B50E13902EB7}"/>
               </a:ext>
             </a:extLst>
           </p:cNvPr>
@@ -1380,7 +1380,7 @@
           <p:cNvPr id="5" name="日期占位符 4">
             <a:extLst>
               <a:ext uri="{FF2B5EF4-FFF2-40B4-BE49-F238E27FC236}">
-                <a16:creationId xmlns:a16="http://schemas.microsoft.com/office/drawing/2014/main" id="{C918870F-BBD3-3234-BD88-EAD1FF52D759}"/>
+                <a16:creationId xmlns:a16="http://schemas.microsoft.com/office/drawing/2014/main" id="{6BDCDC2E-174B-2443-7873-B4F161942B59}"/>
               </a:ext>
             </a:extLst>
           </p:cNvPr>
@@ -1396,7 +1396,7 @@
           <a:bodyPr/>
           <a:lstStyle/>
           <a:p>
-            <a:fld id="{1AAA7CC6-638B-48B2-805E-129D8A52E4E8}" type="datetimeFigureOut">
+            <a:fld id="{026DA960-A9E7-4E71-8953-BD0A176CA0F5}" type="datetimeFigureOut">
               <a:rPr lang="zh-CN" altLang="en-US" smtClean="0"/>
               <a:t>2024/3/10</a:t>
             </a:fld>
@@ -1409,7 +1409,7 @@
           <p:cNvPr id="6" name="页脚占位符 5">
             <a:extLst>
               <a:ext uri="{FF2B5EF4-FFF2-40B4-BE49-F238E27FC236}">
-                <a16:creationId xmlns:a16="http://schemas.microsoft.com/office/drawing/2014/main" id="{11EC740F-F91E-2387-766E-5B79F78EF1DA}"/>
+                <a16:creationId xmlns:a16="http://schemas.microsoft.com/office/drawing/2014/main" id="{3F26AAA8-C364-7DDA-957E-719E47444A65}"/>
               </a:ext>
             </a:extLst>
           </p:cNvPr>
@@ -1434,7 +1434,7 @@
           <p:cNvPr id="7" name="灯片编号占位符 6">
             <a:extLst>
               <a:ext uri="{FF2B5EF4-FFF2-40B4-BE49-F238E27FC236}">
-                <a16:creationId xmlns:a16="http://schemas.microsoft.com/office/drawing/2014/main" id="{70A09DC4-21E8-2ABA-A164-34ED5297301F}"/>
+                <a16:creationId xmlns:a16="http://schemas.microsoft.com/office/drawing/2014/main" id="{F179FB1F-D523-4096-BC1E-F65601A9BDE9}"/>
               </a:ext>
             </a:extLst>
           </p:cNvPr>
@@ -1450,7 +1450,7 @@
           <a:bodyPr/>
           <a:lstStyle/>
           <a:p>
-            <a:fld id="{7CAB047B-CB68-49C2-AC1E-DEC170CA3CE1}" type="slidenum">
+            <a:fld id="{1B82B152-F77B-4B9A-B902-94F1DC1FB615}" type="slidenum">
               <a:rPr lang="zh-CN" altLang="en-US" smtClean="0"/>
               <a:t>‹#›</a:t>
             </a:fld>
@@ -1461,7 +1461,7 @@
     </p:spTree>
     <p:extLst>
       <p:ext uri="{BB962C8B-B14F-4D97-AF65-F5344CB8AC3E}">
-        <p14:creationId xmlns:p14="http://schemas.microsoft.com/office/powerpoint/2010/main" val="3989996046"/>
+        <p14:creationId xmlns:p14="http://schemas.microsoft.com/office/powerpoint/2010/main" val="241116704"/>
       </p:ext>
     </p:extLst>
   </p:cSld>
@@ -1493,7 +1493,7 @@
           <p:cNvPr id="2" name="标题 1">
             <a:extLst>
               <a:ext uri="{FF2B5EF4-FFF2-40B4-BE49-F238E27FC236}">
-                <a16:creationId xmlns:a16="http://schemas.microsoft.com/office/drawing/2014/main" id="{6C0552F9-844A-552D-BDD8-839F4E0FEF04}"/>
+                <a16:creationId xmlns:a16="http://schemas.microsoft.com/office/drawing/2014/main" id="{516D768A-25B4-5849-BD43-7DEF2EBCAF74}"/>
               </a:ext>
             </a:extLst>
           </p:cNvPr>
@@ -1526,7 +1526,7 @@
           <p:cNvPr id="3" name="文本占位符 2">
             <a:extLst>
               <a:ext uri="{FF2B5EF4-FFF2-40B4-BE49-F238E27FC236}">
-                <a16:creationId xmlns:a16="http://schemas.microsoft.com/office/drawing/2014/main" id="{88DB795B-AEC4-9FF3-6890-4029BDE5EFE3}"/>
+                <a16:creationId xmlns:a16="http://schemas.microsoft.com/office/drawing/2014/main" id="{ADB12B34-2ED1-427B-C678-860F7A62E8C1}"/>
               </a:ext>
             </a:extLst>
           </p:cNvPr>
@@ -1597,7 +1597,7 @@
           <p:cNvPr id="4" name="内容占位符 3">
             <a:extLst>
               <a:ext uri="{FF2B5EF4-FFF2-40B4-BE49-F238E27FC236}">
-                <a16:creationId xmlns:a16="http://schemas.microsoft.com/office/drawing/2014/main" id="{38C499B8-7FC4-58D4-FE6C-EFDDB6032536}"/>
+                <a16:creationId xmlns:a16="http://schemas.microsoft.com/office/drawing/2014/main" id="{AC75B790-2B0F-40E2-968A-A5BD8FC394A4}"/>
               </a:ext>
             </a:extLst>
           </p:cNvPr>
@@ -1659,7 +1659,7 @@
           <p:cNvPr id="5" name="文本占位符 4">
             <a:extLst>
               <a:ext uri="{FF2B5EF4-FFF2-40B4-BE49-F238E27FC236}">
-                <a16:creationId xmlns:a16="http://schemas.microsoft.com/office/drawing/2014/main" id="{BB538F31-1761-82F6-7A85-3580D8A1CE57}"/>
+                <a16:creationId xmlns:a16="http://schemas.microsoft.com/office/drawing/2014/main" id="{4338D12A-2270-1070-DEE1-19880C62503A}"/>
               </a:ext>
             </a:extLst>
           </p:cNvPr>
@@ -1730,7 +1730,7 @@
           <p:cNvPr id="6" name="内容占位符 5">
             <a:extLst>
               <a:ext uri="{FF2B5EF4-FFF2-40B4-BE49-F238E27FC236}">
-                <a16:creationId xmlns:a16="http://schemas.microsoft.com/office/drawing/2014/main" id="{6155219A-7C90-4404-57ED-6B185686926C}"/>
+                <a16:creationId xmlns:a16="http://schemas.microsoft.com/office/drawing/2014/main" id="{48A8E753-67BB-DAB2-2E4B-91147C7A2AD1}"/>
               </a:ext>
             </a:extLst>
           </p:cNvPr>
@@ -1792,7 +1792,7 @@
           <p:cNvPr id="7" name="日期占位符 6">
             <a:extLst>
               <a:ext uri="{FF2B5EF4-FFF2-40B4-BE49-F238E27FC236}">
-                <a16:creationId xmlns:a16="http://schemas.microsoft.com/office/drawing/2014/main" id="{BDD7666A-AF83-9C14-2CAE-DC3025046923}"/>
+                <a16:creationId xmlns:a16="http://schemas.microsoft.com/office/drawing/2014/main" id="{FF7D5946-D93D-AA1D-F669-ACB5F645FEB9}"/>
               </a:ext>
             </a:extLst>
           </p:cNvPr>
@@ -1808,7 +1808,7 @@
           <a:bodyPr/>
           <a:lstStyle/>
           <a:p>
-            <a:fld id="{1AAA7CC6-638B-48B2-805E-129D8A52E4E8}" type="datetimeFigureOut">
+            <a:fld id="{026DA960-A9E7-4E71-8953-BD0A176CA0F5}" type="datetimeFigureOut">
               <a:rPr lang="zh-CN" altLang="en-US" smtClean="0"/>
               <a:t>2024/3/10</a:t>
             </a:fld>
@@ -1821,7 +1821,7 @@
           <p:cNvPr id="8" name="页脚占位符 7">
             <a:extLst>
               <a:ext uri="{FF2B5EF4-FFF2-40B4-BE49-F238E27FC236}">
-                <a16:creationId xmlns:a16="http://schemas.microsoft.com/office/drawing/2014/main" id="{34D7A3DD-B34C-11DB-5190-475C36FB06DE}"/>
+                <a16:creationId xmlns:a16="http://schemas.microsoft.com/office/drawing/2014/main" id="{8BE312D7-D7F8-3232-F774-1B5D225B3A3F}"/>
               </a:ext>
             </a:extLst>
           </p:cNvPr>
@@ -1846,7 +1846,7 @@
           <p:cNvPr id="9" name="灯片编号占位符 8">
             <a:extLst>
               <a:ext uri="{FF2B5EF4-FFF2-40B4-BE49-F238E27FC236}">
-                <a16:creationId xmlns:a16="http://schemas.microsoft.com/office/drawing/2014/main" id="{AC66F87D-2617-918F-A273-C4D5E9207F19}"/>
+                <a16:creationId xmlns:a16="http://schemas.microsoft.com/office/drawing/2014/main" id="{4A50BEA2-3D00-B797-9A04-AC051D48FEEF}"/>
               </a:ext>
             </a:extLst>
           </p:cNvPr>
@@ -1862,7 +1862,7 @@
           <a:bodyPr/>
           <a:lstStyle/>
           <a:p>
-            <a:fld id="{7CAB047B-CB68-49C2-AC1E-DEC170CA3CE1}" type="slidenum">
+            <a:fld id="{1B82B152-F77B-4B9A-B902-94F1DC1FB615}" type="slidenum">
               <a:rPr lang="zh-CN" altLang="en-US" smtClean="0"/>
               <a:t>‹#›</a:t>
             </a:fld>
@@ -1873,7 +1873,7 @@
     </p:spTree>
     <p:extLst>
       <p:ext uri="{BB962C8B-B14F-4D97-AF65-F5344CB8AC3E}">
-        <p14:creationId xmlns:p14="http://schemas.microsoft.com/office/powerpoint/2010/main" val="3720435445"/>
+        <p14:creationId xmlns:p14="http://schemas.microsoft.com/office/powerpoint/2010/main" val="3420443252"/>
       </p:ext>
     </p:extLst>
   </p:cSld>
@@ -1905,7 +1905,7 @@
           <p:cNvPr id="2" name="标题 1">
             <a:extLst>
               <a:ext uri="{FF2B5EF4-FFF2-40B4-BE49-F238E27FC236}">
-                <a16:creationId xmlns:a16="http://schemas.microsoft.com/office/drawing/2014/main" id="{310DA1E2-A73C-8FD8-EE3C-520D23CE2561}"/>
+                <a16:creationId xmlns:a16="http://schemas.microsoft.com/office/drawing/2014/main" id="{CF44C328-5123-8EA2-00B7-779609CD6652}"/>
               </a:ext>
             </a:extLst>
           </p:cNvPr>
@@ -1933,7 +1933,7 @@
           <p:cNvPr id="3" name="日期占位符 2">
             <a:extLst>
               <a:ext uri="{FF2B5EF4-FFF2-40B4-BE49-F238E27FC236}">
-                <a16:creationId xmlns:a16="http://schemas.microsoft.com/office/drawing/2014/main" id="{C7C3A0BF-3E7B-BDED-3B6E-838118365760}"/>
+                <a16:creationId xmlns:a16="http://schemas.microsoft.com/office/drawing/2014/main" id="{E9A146E5-0B32-1E45-7CDD-066B68AE4028}"/>
               </a:ext>
             </a:extLst>
           </p:cNvPr>
@@ -1949,7 +1949,7 @@
           <a:bodyPr/>
           <a:lstStyle/>
           <a:p>
-            <a:fld id="{1AAA7CC6-638B-48B2-805E-129D8A52E4E8}" type="datetimeFigureOut">
+            <a:fld id="{026DA960-A9E7-4E71-8953-BD0A176CA0F5}" type="datetimeFigureOut">
               <a:rPr lang="zh-CN" altLang="en-US" smtClean="0"/>
               <a:t>2024/3/10</a:t>
             </a:fld>
@@ -1962,7 +1962,7 @@
           <p:cNvPr id="4" name="页脚占位符 3">
             <a:extLst>
               <a:ext uri="{FF2B5EF4-FFF2-40B4-BE49-F238E27FC236}">
-                <a16:creationId xmlns:a16="http://schemas.microsoft.com/office/drawing/2014/main" id="{FC2D22F6-AD2C-C287-55AB-220C021BE4AD}"/>
+                <a16:creationId xmlns:a16="http://schemas.microsoft.com/office/drawing/2014/main" id="{304725FB-FF9C-5885-5CEA-C26B4F286C46}"/>
               </a:ext>
             </a:extLst>
           </p:cNvPr>
@@ -1987,7 +1987,7 @@
           <p:cNvPr id="5" name="灯片编号占位符 4">
             <a:extLst>
               <a:ext uri="{FF2B5EF4-FFF2-40B4-BE49-F238E27FC236}">
-                <a16:creationId xmlns:a16="http://schemas.microsoft.com/office/drawing/2014/main" id="{1A07E6A8-EC38-453E-5514-61D54D7AE55B}"/>
+                <a16:creationId xmlns:a16="http://schemas.microsoft.com/office/drawing/2014/main" id="{D54142CA-8FC0-588A-8372-C8942306E21A}"/>
               </a:ext>
             </a:extLst>
           </p:cNvPr>
@@ -2003,7 +2003,7 @@
           <a:bodyPr/>
           <a:lstStyle/>
           <a:p>
-            <a:fld id="{7CAB047B-CB68-49C2-AC1E-DEC170CA3CE1}" type="slidenum">
+            <a:fld id="{1B82B152-F77B-4B9A-B902-94F1DC1FB615}" type="slidenum">
               <a:rPr lang="zh-CN" altLang="en-US" smtClean="0"/>
               <a:t>‹#›</a:t>
             </a:fld>
@@ -2014,7 +2014,7 @@
     </p:spTree>
     <p:extLst>
       <p:ext uri="{BB962C8B-B14F-4D97-AF65-F5344CB8AC3E}">
-        <p14:creationId xmlns:p14="http://schemas.microsoft.com/office/powerpoint/2010/main" val="2906366327"/>
+        <p14:creationId xmlns:p14="http://schemas.microsoft.com/office/powerpoint/2010/main" val="2248294211"/>
       </p:ext>
     </p:extLst>
   </p:cSld>
@@ -2046,7 +2046,7 @@
           <p:cNvPr id="2" name="日期占位符 1">
             <a:extLst>
               <a:ext uri="{FF2B5EF4-FFF2-40B4-BE49-F238E27FC236}">
-                <a16:creationId xmlns:a16="http://schemas.microsoft.com/office/drawing/2014/main" id="{5155B8FC-B3B5-48A1-7883-6B5E8C5B5D7D}"/>
+                <a16:creationId xmlns:a16="http://schemas.microsoft.com/office/drawing/2014/main" id="{750B9AB6-78E3-DCF0-B2DB-5F781912BBC2}"/>
               </a:ext>
             </a:extLst>
           </p:cNvPr>
@@ -2062,7 +2062,7 @@
           <a:bodyPr/>
           <a:lstStyle/>
           <a:p>
-            <a:fld id="{1AAA7CC6-638B-48B2-805E-129D8A52E4E8}" type="datetimeFigureOut">
+            <a:fld id="{026DA960-A9E7-4E71-8953-BD0A176CA0F5}" type="datetimeFigureOut">
               <a:rPr lang="zh-CN" altLang="en-US" smtClean="0"/>
               <a:t>2024/3/10</a:t>
             </a:fld>
@@ -2075,7 +2075,7 @@
           <p:cNvPr id="3" name="页脚占位符 2">
             <a:extLst>
               <a:ext uri="{FF2B5EF4-FFF2-40B4-BE49-F238E27FC236}">
-                <a16:creationId xmlns:a16="http://schemas.microsoft.com/office/drawing/2014/main" id="{EC92EA4D-5697-41A9-F7E2-D9DADCB01854}"/>
+                <a16:creationId xmlns:a16="http://schemas.microsoft.com/office/drawing/2014/main" id="{74585FD1-E4FE-DFA5-56CC-3B212B12272D}"/>
               </a:ext>
             </a:extLst>
           </p:cNvPr>
@@ -2100,7 +2100,7 @@
           <p:cNvPr id="4" name="灯片编号占位符 3">
             <a:extLst>
               <a:ext uri="{FF2B5EF4-FFF2-40B4-BE49-F238E27FC236}">
-                <a16:creationId xmlns:a16="http://schemas.microsoft.com/office/drawing/2014/main" id="{61A536F0-8A84-A670-30CA-130C3F9AB74C}"/>
+                <a16:creationId xmlns:a16="http://schemas.microsoft.com/office/drawing/2014/main" id="{B4695FC3-0819-4345-5076-226C316343C5}"/>
               </a:ext>
             </a:extLst>
           </p:cNvPr>
@@ -2116,7 +2116,7 @@
           <a:bodyPr/>
           <a:lstStyle/>
           <a:p>
-            <a:fld id="{7CAB047B-CB68-49C2-AC1E-DEC170CA3CE1}" type="slidenum">
+            <a:fld id="{1B82B152-F77B-4B9A-B902-94F1DC1FB615}" type="slidenum">
               <a:rPr lang="zh-CN" altLang="en-US" smtClean="0"/>
               <a:t>‹#›</a:t>
             </a:fld>
@@ -2127,7 +2127,7 @@
     </p:spTree>
     <p:extLst>
       <p:ext uri="{BB962C8B-B14F-4D97-AF65-F5344CB8AC3E}">
-        <p14:creationId xmlns:p14="http://schemas.microsoft.com/office/powerpoint/2010/main" val="1994893937"/>
+        <p14:creationId xmlns:p14="http://schemas.microsoft.com/office/powerpoint/2010/main" val="3009825040"/>
       </p:ext>
     </p:extLst>
   </p:cSld>
@@ -2159,7 +2159,7 @@
           <p:cNvPr id="2" name="标题 1">
             <a:extLst>
               <a:ext uri="{FF2B5EF4-FFF2-40B4-BE49-F238E27FC236}">
-                <a16:creationId xmlns:a16="http://schemas.microsoft.com/office/drawing/2014/main" id="{F40E6206-F08A-53F8-81AC-34A2E008E051}"/>
+                <a16:creationId xmlns:a16="http://schemas.microsoft.com/office/drawing/2014/main" id="{0DF9F770-4949-39A2-14E3-75E0B9E6604A}"/>
               </a:ext>
             </a:extLst>
           </p:cNvPr>
@@ -2196,7 +2196,7 @@
           <p:cNvPr id="3" name="内容占位符 2">
             <a:extLst>
               <a:ext uri="{FF2B5EF4-FFF2-40B4-BE49-F238E27FC236}">
-                <a16:creationId xmlns:a16="http://schemas.microsoft.com/office/drawing/2014/main" id="{F5D8B700-990B-6E11-02AE-A6E075FF9CB0}"/>
+                <a16:creationId xmlns:a16="http://schemas.microsoft.com/office/drawing/2014/main" id="{A62B5E26-7304-5821-703A-A26E067E5700}"/>
               </a:ext>
             </a:extLst>
           </p:cNvPr>
@@ -2286,7 +2286,7 @@
           <p:cNvPr id="4" name="文本占位符 3">
             <a:extLst>
               <a:ext uri="{FF2B5EF4-FFF2-40B4-BE49-F238E27FC236}">
-                <a16:creationId xmlns:a16="http://schemas.microsoft.com/office/drawing/2014/main" id="{0206F4CA-05DD-A7D6-5DF8-3AA7109A1EF6}"/>
+                <a16:creationId xmlns:a16="http://schemas.microsoft.com/office/drawing/2014/main" id="{CD52566B-F725-B910-917A-253B8216CABD}"/>
               </a:ext>
             </a:extLst>
           </p:cNvPr>
@@ -2357,7 +2357,7 @@
           <p:cNvPr id="5" name="日期占位符 4">
             <a:extLst>
               <a:ext uri="{FF2B5EF4-FFF2-40B4-BE49-F238E27FC236}">
-                <a16:creationId xmlns:a16="http://schemas.microsoft.com/office/drawing/2014/main" id="{FA5AFCD2-FCFA-2ABF-BC9E-00519754BF95}"/>
+                <a16:creationId xmlns:a16="http://schemas.microsoft.com/office/drawing/2014/main" id="{00A40D4A-B380-8ABA-5A1F-AF1236A8C065}"/>
               </a:ext>
             </a:extLst>
           </p:cNvPr>
@@ -2373,7 +2373,7 @@
           <a:bodyPr/>
           <a:lstStyle/>
           <a:p>
-            <a:fld id="{1AAA7CC6-638B-48B2-805E-129D8A52E4E8}" type="datetimeFigureOut">
+            <a:fld id="{026DA960-A9E7-4E71-8953-BD0A176CA0F5}" type="datetimeFigureOut">
               <a:rPr lang="zh-CN" altLang="en-US" smtClean="0"/>
               <a:t>2024/3/10</a:t>
             </a:fld>
@@ -2386,7 +2386,7 @@
           <p:cNvPr id="6" name="页脚占位符 5">
             <a:extLst>
               <a:ext uri="{FF2B5EF4-FFF2-40B4-BE49-F238E27FC236}">
-                <a16:creationId xmlns:a16="http://schemas.microsoft.com/office/drawing/2014/main" id="{0D263798-3981-97A5-292B-E7CCE8B58C1E}"/>
+                <a16:creationId xmlns:a16="http://schemas.microsoft.com/office/drawing/2014/main" id="{E72BAB4C-FC8D-5565-957C-7E5D11C02D1C}"/>
               </a:ext>
             </a:extLst>
           </p:cNvPr>
@@ -2411,7 +2411,7 @@
           <p:cNvPr id="7" name="灯片编号占位符 6">
             <a:extLst>
               <a:ext uri="{FF2B5EF4-FFF2-40B4-BE49-F238E27FC236}">
-                <a16:creationId xmlns:a16="http://schemas.microsoft.com/office/drawing/2014/main" id="{A169AAE1-B620-9167-1676-77DC90038A08}"/>
+                <a16:creationId xmlns:a16="http://schemas.microsoft.com/office/drawing/2014/main" id="{34EE9641-BE03-CE17-B16C-CDC7FA7518ED}"/>
               </a:ext>
             </a:extLst>
           </p:cNvPr>
@@ -2427,7 +2427,7 @@
           <a:bodyPr/>
           <a:lstStyle/>
           <a:p>
-            <a:fld id="{7CAB047B-CB68-49C2-AC1E-DEC170CA3CE1}" type="slidenum">
+            <a:fld id="{1B82B152-F77B-4B9A-B902-94F1DC1FB615}" type="slidenum">
               <a:rPr lang="zh-CN" altLang="en-US" smtClean="0"/>
               <a:t>‹#›</a:t>
             </a:fld>
@@ -2438,7 +2438,7 @@
     </p:spTree>
     <p:extLst>
       <p:ext uri="{BB962C8B-B14F-4D97-AF65-F5344CB8AC3E}">
-        <p14:creationId xmlns:p14="http://schemas.microsoft.com/office/powerpoint/2010/main" val="4137016076"/>
+        <p14:creationId xmlns:p14="http://schemas.microsoft.com/office/powerpoint/2010/main" val="491787626"/>
       </p:ext>
     </p:extLst>
   </p:cSld>
@@ -2470,7 +2470,7 @@
           <p:cNvPr id="2" name="标题 1">
             <a:extLst>
               <a:ext uri="{FF2B5EF4-FFF2-40B4-BE49-F238E27FC236}">
-                <a16:creationId xmlns:a16="http://schemas.microsoft.com/office/drawing/2014/main" id="{64AD9E0A-478A-65A0-F591-D921A4B6DF4D}"/>
+                <a16:creationId xmlns:a16="http://schemas.microsoft.com/office/drawing/2014/main" id="{EDDC54DF-A265-A8A5-CFEE-E8D5D4D47874}"/>
               </a:ext>
             </a:extLst>
           </p:cNvPr>
@@ -2507,7 +2507,7 @@
           <p:cNvPr id="3" name="图片占位符 2">
             <a:extLst>
               <a:ext uri="{FF2B5EF4-FFF2-40B4-BE49-F238E27FC236}">
-                <a16:creationId xmlns:a16="http://schemas.microsoft.com/office/drawing/2014/main" id="{5EE9A76E-9061-B149-1B29-5053B8BA2A83}"/>
+                <a16:creationId xmlns:a16="http://schemas.microsoft.com/office/drawing/2014/main" id="{D9903539-B6F8-57A4-61A0-D3C43C3BFE07}"/>
               </a:ext>
             </a:extLst>
           </p:cNvPr>
@@ -2574,7 +2574,7 @@
           <p:cNvPr id="4" name="文本占位符 3">
             <a:extLst>
               <a:ext uri="{FF2B5EF4-FFF2-40B4-BE49-F238E27FC236}">
-                <a16:creationId xmlns:a16="http://schemas.microsoft.com/office/drawing/2014/main" id="{C7AC672B-410E-35C1-3183-C81B978B3BB8}"/>
+                <a16:creationId xmlns:a16="http://schemas.microsoft.com/office/drawing/2014/main" id="{C005DDC5-5B36-5C58-21B2-BB33A5BCE5E6}"/>
               </a:ext>
             </a:extLst>
           </p:cNvPr>
@@ -2645,7 +2645,7 @@
           <p:cNvPr id="5" name="日期占位符 4">
             <a:extLst>
               <a:ext uri="{FF2B5EF4-FFF2-40B4-BE49-F238E27FC236}">
-                <a16:creationId xmlns:a16="http://schemas.microsoft.com/office/drawing/2014/main" id="{174EA46B-C74A-A1DD-2F2A-9A064044DEF9}"/>
+                <a16:creationId xmlns:a16="http://schemas.microsoft.com/office/drawing/2014/main" id="{210FAD0F-D9E1-6915-69D2-6FCE6229B6DE}"/>
               </a:ext>
             </a:extLst>
           </p:cNvPr>
@@ -2661,7 +2661,7 @@
           <a:bodyPr/>
           <a:lstStyle/>
           <a:p>
-            <a:fld id="{1AAA7CC6-638B-48B2-805E-129D8A52E4E8}" type="datetimeFigureOut">
+            <a:fld id="{026DA960-A9E7-4E71-8953-BD0A176CA0F5}" type="datetimeFigureOut">
               <a:rPr lang="zh-CN" altLang="en-US" smtClean="0"/>
               <a:t>2024/3/10</a:t>
             </a:fld>
@@ -2674,7 +2674,7 @@
           <p:cNvPr id="6" name="页脚占位符 5">
             <a:extLst>
               <a:ext uri="{FF2B5EF4-FFF2-40B4-BE49-F238E27FC236}">
-                <a16:creationId xmlns:a16="http://schemas.microsoft.com/office/drawing/2014/main" id="{3D8C871A-786C-6233-769D-13640B152D38}"/>
+                <a16:creationId xmlns:a16="http://schemas.microsoft.com/office/drawing/2014/main" id="{75E5E94D-24BE-96BD-0CB7-8857B6730C75}"/>
               </a:ext>
             </a:extLst>
           </p:cNvPr>
@@ -2699,7 +2699,7 @@
           <p:cNvPr id="7" name="灯片编号占位符 6">
             <a:extLst>
               <a:ext uri="{FF2B5EF4-FFF2-40B4-BE49-F238E27FC236}">
-                <a16:creationId xmlns:a16="http://schemas.microsoft.com/office/drawing/2014/main" id="{7D412D55-669E-E1AB-1983-BDD20C5582C8}"/>
+                <a16:creationId xmlns:a16="http://schemas.microsoft.com/office/drawing/2014/main" id="{34599F98-0EAB-EB75-320A-C9AAA1AE3190}"/>
               </a:ext>
             </a:extLst>
           </p:cNvPr>
@@ -2715,7 +2715,7 @@
           <a:bodyPr/>
           <a:lstStyle/>
           <a:p>
-            <a:fld id="{7CAB047B-CB68-49C2-AC1E-DEC170CA3CE1}" type="slidenum">
+            <a:fld id="{1B82B152-F77B-4B9A-B902-94F1DC1FB615}" type="slidenum">
               <a:rPr lang="zh-CN" altLang="en-US" smtClean="0"/>
               <a:t>‹#›</a:t>
             </a:fld>
@@ -2726,7 +2726,7 @@
     </p:spTree>
     <p:extLst>
       <p:ext uri="{BB962C8B-B14F-4D97-AF65-F5344CB8AC3E}">
-        <p14:creationId xmlns:p14="http://schemas.microsoft.com/office/powerpoint/2010/main" val="3099335885"/>
+        <p14:creationId xmlns:p14="http://schemas.microsoft.com/office/powerpoint/2010/main" val="3305969107"/>
       </p:ext>
     </p:extLst>
   </p:cSld>
@@ -2763,7 +2763,7 @@
           <p:cNvPr id="2" name="标题占位符 1">
             <a:extLst>
               <a:ext uri="{FF2B5EF4-FFF2-40B4-BE49-F238E27FC236}">
-                <a16:creationId xmlns:a16="http://schemas.microsoft.com/office/drawing/2014/main" id="{841EF340-C5E2-B0CA-C202-AA2A9B3AA749}"/>
+                <a16:creationId xmlns:a16="http://schemas.microsoft.com/office/drawing/2014/main" id="{5D486924-6488-6F31-909D-B40F6AFF225B}"/>
               </a:ext>
             </a:extLst>
           </p:cNvPr>
@@ -2801,7 +2801,7 @@
           <p:cNvPr id="3" name="文本占位符 2">
             <a:extLst>
               <a:ext uri="{FF2B5EF4-FFF2-40B4-BE49-F238E27FC236}">
-                <a16:creationId xmlns:a16="http://schemas.microsoft.com/office/drawing/2014/main" id="{15B10031-0AAD-BCC9-E7B6-49C9733E99B7}"/>
+                <a16:creationId xmlns:a16="http://schemas.microsoft.com/office/drawing/2014/main" id="{DBAF59E8-2A3E-1A9D-9C8B-45F2AB375E97}"/>
               </a:ext>
             </a:extLst>
           </p:cNvPr>
@@ -2868,7 +2868,7 @@
           <p:cNvPr id="4" name="日期占位符 3">
             <a:extLst>
               <a:ext uri="{FF2B5EF4-FFF2-40B4-BE49-F238E27FC236}">
-                <a16:creationId xmlns:a16="http://schemas.microsoft.com/office/drawing/2014/main" id="{84455944-AEA6-4DDA-CB94-97E69A9F843E}"/>
+                <a16:creationId xmlns:a16="http://schemas.microsoft.com/office/drawing/2014/main" id="{F508C434-903E-E6F9-4165-7F2804305CA6}"/>
               </a:ext>
             </a:extLst>
           </p:cNvPr>
@@ -2902,7 +2902,7 @@
             </a:lvl1pPr>
           </a:lstStyle>
           <a:p>
-            <a:fld id="{1AAA7CC6-638B-48B2-805E-129D8A52E4E8}" type="datetimeFigureOut">
+            <a:fld id="{026DA960-A9E7-4E71-8953-BD0A176CA0F5}" type="datetimeFigureOut">
               <a:rPr lang="zh-CN" altLang="en-US" smtClean="0"/>
               <a:t>2024/3/10</a:t>
             </a:fld>
@@ -2915,7 +2915,7 @@
           <p:cNvPr id="5" name="页脚占位符 4">
             <a:extLst>
               <a:ext uri="{FF2B5EF4-FFF2-40B4-BE49-F238E27FC236}">
-                <a16:creationId xmlns:a16="http://schemas.microsoft.com/office/drawing/2014/main" id="{E2EC5B4D-EAB7-5F0D-35A8-D5AE9136440B}"/>
+                <a16:creationId xmlns:a16="http://schemas.microsoft.com/office/drawing/2014/main" id="{764A28D9-70D5-C237-7AFB-84EAFD5B37B7}"/>
               </a:ext>
             </a:extLst>
           </p:cNvPr>
@@ -2958,7 +2958,7 @@
           <p:cNvPr id="6" name="灯片编号占位符 5">
             <a:extLst>
               <a:ext uri="{FF2B5EF4-FFF2-40B4-BE49-F238E27FC236}">
-                <a16:creationId xmlns:a16="http://schemas.microsoft.com/office/drawing/2014/main" id="{01C1FD20-90BA-90BE-05BC-61135A896905}"/>
+                <a16:creationId xmlns:a16="http://schemas.microsoft.com/office/drawing/2014/main" id="{F9130190-C2CC-A6DF-AF33-CE0E5C7FABBB}"/>
               </a:ext>
             </a:extLst>
           </p:cNvPr>
@@ -2992,7 +2992,7 @@
             </a:lvl1pPr>
           </a:lstStyle>
           <a:p>
-            <a:fld id="{7CAB047B-CB68-49C2-AC1E-DEC170CA3CE1}" type="slidenum">
+            <a:fld id="{1B82B152-F77B-4B9A-B902-94F1DC1FB615}" type="slidenum">
               <a:rPr lang="zh-CN" altLang="en-US" smtClean="0"/>
               <a:t>‹#›</a:t>
             </a:fld>
@@ -3003,7 +3003,7 @@
     </p:spTree>
     <p:extLst>
       <p:ext uri="{BB962C8B-B14F-4D97-AF65-F5344CB8AC3E}">
-        <p14:creationId xmlns:p14="http://schemas.microsoft.com/office/powerpoint/2010/main" val="441360247"/>
+        <p14:creationId xmlns:p14="http://schemas.microsoft.com/office/powerpoint/2010/main" val="1633672850"/>
       </p:ext>
     </p:extLst>
   </p:cSld>
@@ -3323,7 +3323,7 @@
       </p:grpSpPr>
       <p:pic>
         <p:nvPicPr>
-          <p:cNvPr id="1006594" name="Picture 2" descr="982"/>
+          <p:cNvPr id="1007618" name="Picture 2" descr="983"/>
           <p:cNvPicPr>
             <a:picLocks noChangeAspect="1" noChangeArrowheads="1"/>
           </p:cNvPicPr>
@@ -3344,8 +3344,8 @@
         </p:blipFill>
         <p:spPr bwMode="auto">
           <a:xfrm>
-            <a:off x="1543050" y="1"/>
-            <a:ext cx="9124950" cy="6843713"/>
+            <a:off x="1524000" y="0"/>
+            <a:ext cx="9144000" cy="6858000"/>
           </a:xfrm>
           <a:prstGeom prst="rect">
             <a:avLst/>
@@ -3375,158 +3375,11 @@
           </a:extLst>
         </p:spPr>
       </p:pic>
-      <p:pic>
-        <p:nvPicPr>
-          <p:cNvPr id="1007619" name="Picture 3" descr="982-2"/>
-          <p:cNvPicPr>
-            <a:picLocks noChangeAspect="1" noChangeArrowheads="1"/>
-          </p:cNvPicPr>
-          <p:nvPr/>
-        </p:nvPicPr>
-        <p:blipFill>
-          <a:blip r:embed="rId3">
-            <a:extLst>
-              <a:ext uri="{28A0092B-C50C-407E-A947-70E740481C1C}">
-                <a14:useLocalDpi xmlns:a14="http://schemas.microsoft.com/office/drawing/2010/main" val="0"/>
-              </a:ext>
-            </a:extLst>
-          </a:blip>
-          <a:srcRect/>
-          <a:stretch>
-            <a:fillRect/>
-          </a:stretch>
-        </p:blipFill>
-        <p:spPr bwMode="auto">
-          <a:xfrm>
-            <a:off x="1524000" y="0"/>
-            <a:ext cx="9144000" cy="6858000"/>
-          </a:xfrm>
-          <a:prstGeom prst="rect">
-            <a:avLst/>
-          </a:prstGeom>
-          <a:noFill/>
-          <a:ln>
-            <a:noFill/>
-          </a:ln>
-          <a:effectLst/>
-          <a:extLst>
-            <a:ext uri="{909E8E84-426E-40DD-AFC4-6F175D3DCCD1}">
-              <a14:hiddenFill xmlns:a14="http://schemas.microsoft.com/office/drawing/2010/main">
-                <a:solidFill>
-                  <a:srgbClr val="FFFFFF"/>
-                </a:solidFill>
-              </a14:hiddenFill>
-            </a:ext>
-            <a:ext uri="{91240B29-F687-4F45-9708-019B960494DF}">
-              <a14:hiddenLine xmlns:a14="http://schemas.microsoft.com/office/drawing/2010/main" w="9525">
-                <a:solidFill>
-                  <a:srgbClr val="000000"/>
-                </a:solidFill>
-                <a:miter lim="800000"/>
-                <a:headEnd/>
-                <a:tailEnd/>
-              </a14:hiddenLine>
-            </a:ext>
-            <a:ext uri="{AF507438-7753-43E0-B8FC-AC1667EBCBE1}">
-              <a14:hiddenEffects xmlns:a14="http://schemas.microsoft.com/office/drawing/2010/main">
-                <a:effectLst>
-                  <a:outerShdw dist="35921" dir="2700000" algn="ctr" rotWithShape="0">
-                    <a:srgbClr val="808080"/>
-                  </a:outerShdw>
-                </a:effectLst>
-              </a14:hiddenEffects>
-            </a:ext>
-          </a:extLst>
-        </p:spPr>
-      </p:pic>
     </p:spTree>
   </p:cSld>
   <p:clrMapOvr>
     <a:masterClrMapping/>
   </p:clrMapOvr>
-  <p:timing>
-    <p:tnLst>
-      <p:par>
-        <p:cTn id="1" dur="indefinite" restart="never" nodeType="tmRoot">
-          <p:childTnLst>
-            <p:seq concurrent="1" nextAc="seek">
-              <p:cTn id="2" dur="indefinite" nodeType="mainSeq">
-                <p:childTnLst>
-                  <p:par>
-                    <p:cTn id="3" fill="hold" nodeType="clickPar">
-                      <p:stCondLst>
-                        <p:cond delay="indefinite"/>
-                      </p:stCondLst>
-                      <p:childTnLst>
-                        <p:par>
-                          <p:cTn id="4" fill="hold" nodeType="withGroup">
-                            <p:stCondLst>
-                              <p:cond delay="0"/>
-                            </p:stCondLst>
-                            <p:childTnLst>
-                              <p:par>
-                                <p:cTn id="5" presetID="10" presetClass="entr" presetSubtype="0" fill="hold" nodeType="clickEffect">
-                                  <p:stCondLst>
-                                    <p:cond delay="0"/>
-                                  </p:stCondLst>
-                                  <p:childTnLst>
-                                    <p:set>
-                                      <p:cBhvr>
-                                        <p:cTn id="6" dur="1" fill="hold">
-                                          <p:stCondLst>
-                                            <p:cond delay="0"/>
-                                          </p:stCondLst>
-                                        </p:cTn>
-                                        <p:tgtEl>
-                                          <p:spTgt spid="1007619"/>
-                                        </p:tgtEl>
-                                        <p:attrNameLst>
-                                          <p:attrName>style.visibility</p:attrName>
-                                        </p:attrNameLst>
-                                      </p:cBhvr>
-                                      <p:to>
-                                        <p:strVal val="visible"/>
-                                      </p:to>
-                                    </p:set>
-                                    <p:animEffect transition="in" filter="fade">
-                                      <p:cBhvr>
-                                        <p:cTn id="7" dur="500"/>
-                                        <p:tgtEl>
-                                          <p:spTgt spid="1007619"/>
-                                        </p:tgtEl>
-                                      </p:cBhvr>
-                                    </p:animEffect>
-                                  </p:childTnLst>
-                                </p:cTn>
-                              </p:par>
-                            </p:childTnLst>
-                          </p:cTn>
-                        </p:par>
-                      </p:childTnLst>
-                    </p:cTn>
-                  </p:par>
-                </p:childTnLst>
-              </p:cTn>
-              <p:prevCondLst>
-                <p:cond evt="onPrev" delay="0">
-                  <p:tgtEl>
-                    <p:sldTgt/>
-                  </p:tgtEl>
-                </p:cond>
-              </p:prevCondLst>
-              <p:nextCondLst>
-                <p:cond evt="onNext" delay="0">
-                  <p:tgtEl>
-                    <p:sldTgt/>
-                  </p:tgtEl>
-                </p:cond>
-              </p:nextCondLst>
-            </p:seq>
-          </p:childTnLst>
-        </p:cTn>
-      </p:par>
-    </p:tnLst>
-  </p:timing>
 </p:sld>
 </file>
 
